--- a/notebooks/02_PCA_andits_variations.pptx
+++ b/notebooks/02_PCA_andits_variations.pptx
@@ -5,7 +5,7 @@
     <p:sldMasterId id="2147483648" r:id="rId1"/>
   </p:sldMasterIdLst>
   <p:notesMasterIdLst>
-    <p:notesMasterId r:id="rId23"/>
+    <p:notesMasterId r:id="rId24"/>
   </p:notesMasterIdLst>
   <p:sldIdLst>
     <p:sldId id="256" r:id="rId2"/>
@@ -29,6 +29,7 @@
     <p:sldId id="263" r:id="rId20"/>
     <p:sldId id="265" r:id="rId21"/>
     <p:sldId id="264" r:id="rId22"/>
+    <p:sldId id="324" r:id="rId23"/>
   </p:sldIdLst>
   <p:sldSz cx="12192000" cy="6858000"/>
   <p:notesSz cx="6858000" cy="9144000"/>
@@ -217,7 +218,7 @@
           <a:p>
             <a:fld id="{7B5B58E8-F0E6-4D65-A774-44096AAE3269}" type="datetimeFigureOut">
               <a:rPr lang="en-US" smtClean="0"/>
-              <a:t>9/24/2020</a:t>
+              <a:t>10/23/2020</a:t>
             </a:fld>
             <a:endParaRPr lang="en-US"/>
           </a:p>
@@ -1555,7 +1556,7 @@
           <a:p>
             <a:fld id="{B67F5C07-EA03-4956-9387-D97E9629D933}" type="datetimeFigureOut">
               <a:rPr lang="en-US" smtClean="0"/>
-              <a:t>9/24/2020</a:t>
+              <a:t>10/23/2020</a:t>
             </a:fld>
             <a:endParaRPr lang="en-US"/>
           </a:p>
@@ -1753,7 +1754,7 @@
           <a:p>
             <a:fld id="{B67F5C07-EA03-4956-9387-D97E9629D933}" type="datetimeFigureOut">
               <a:rPr lang="en-US" smtClean="0"/>
-              <a:t>9/24/2020</a:t>
+              <a:t>10/23/2020</a:t>
             </a:fld>
             <a:endParaRPr lang="en-US"/>
           </a:p>
@@ -1961,7 +1962,7 @@
           <a:p>
             <a:fld id="{B67F5C07-EA03-4956-9387-D97E9629D933}" type="datetimeFigureOut">
               <a:rPr lang="en-US" smtClean="0"/>
-              <a:t>9/24/2020</a:t>
+              <a:t>10/23/2020</a:t>
             </a:fld>
             <a:endParaRPr lang="en-US"/>
           </a:p>
@@ -2159,7 +2160,7 @@
           <a:p>
             <a:fld id="{B67F5C07-EA03-4956-9387-D97E9629D933}" type="datetimeFigureOut">
               <a:rPr lang="en-US" smtClean="0"/>
-              <a:t>9/24/2020</a:t>
+              <a:t>10/23/2020</a:t>
             </a:fld>
             <a:endParaRPr lang="en-US"/>
           </a:p>
@@ -2434,7 +2435,7 @@
           <a:p>
             <a:fld id="{B67F5C07-EA03-4956-9387-D97E9629D933}" type="datetimeFigureOut">
               <a:rPr lang="en-US" smtClean="0"/>
-              <a:t>9/24/2020</a:t>
+              <a:t>10/23/2020</a:t>
             </a:fld>
             <a:endParaRPr lang="en-US"/>
           </a:p>
@@ -2699,7 +2700,7 @@
           <a:p>
             <a:fld id="{B67F5C07-EA03-4956-9387-D97E9629D933}" type="datetimeFigureOut">
               <a:rPr lang="en-US" smtClean="0"/>
-              <a:t>9/24/2020</a:t>
+              <a:t>10/23/2020</a:t>
             </a:fld>
             <a:endParaRPr lang="en-US"/>
           </a:p>
@@ -3111,7 +3112,7 @@
           <a:p>
             <a:fld id="{B67F5C07-EA03-4956-9387-D97E9629D933}" type="datetimeFigureOut">
               <a:rPr lang="en-US" smtClean="0"/>
-              <a:t>9/24/2020</a:t>
+              <a:t>10/23/2020</a:t>
             </a:fld>
             <a:endParaRPr lang="en-US"/>
           </a:p>
@@ -3252,7 +3253,7 @@
           <a:p>
             <a:fld id="{B67F5C07-EA03-4956-9387-D97E9629D933}" type="datetimeFigureOut">
               <a:rPr lang="en-US" smtClean="0"/>
-              <a:t>9/24/2020</a:t>
+              <a:t>10/23/2020</a:t>
             </a:fld>
             <a:endParaRPr lang="en-US"/>
           </a:p>
@@ -3365,7 +3366,7 @@
           <a:p>
             <a:fld id="{B67F5C07-EA03-4956-9387-D97E9629D933}" type="datetimeFigureOut">
               <a:rPr lang="en-US" smtClean="0"/>
-              <a:t>9/24/2020</a:t>
+              <a:t>10/23/2020</a:t>
             </a:fld>
             <a:endParaRPr lang="en-US"/>
           </a:p>
@@ -3676,7 +3677,7 @@
           <a:p>
             <a:fld id="{B67F5C07-EA03-4956-9387-D97E9629D933}" type="datetimeFigureOut">
               <a:rPr lang="en-US" smtClean="0"/>
-              <a:t>9/24/2020</a:t>
+              <a:t>10/23/2020</a:t>
             </a:fld>
             <a:endParaRPr lang="en-US"/>
           </a:p>
@@ -3964,7 +3965,7 @@
           <a:p>
             <a:fld id="{B67F5C07-EA03-4956-9387-D97E9629D933}" type="datetimeFigureOut">
               <a:rPr lang="en-US" smtClean="0"/>
-              <a:t>9/24/2020</a:t>
+              <a:t>10/23/2020</a:t>
             </a:fld>
             <a:endParaRPr lang="en-US"/>
           </a:p>
@@ -4205,7 +4206,7 @@
           <a:p>
             <a:fld id="{B67F5C07-EA03-4956-9387-D97E9629D933}" type="datetimeFigureOut">
               <a:rPr lang="en-US" smtClean="0"/>
-              <a:t>9/24/2020</a:t>
+              <a:t>10/23/2020</a:t>
             </a:fld>
             <a:endParaRPr lang="en-US"/>
           </a:p>
@@ -10544,6 +10545,180 @@
     <p:extLst>
       <p:ext uri="{BB962C8B-B14F-4D97-AF65-F5344CB8AC3E}">
         <p14:creationId xmlns:p14="http://schemas.microsoft.com/office/powerpoint/2010/main" val="2621207884"/>
+      </p:ext>
+    </p:extLst>
+  </p:cSld>
+  <p:clrMapOvr>
+    <a:masterClrMapping/>
+  </p:clrMapOvr>
+</p:sld>
+</file>
+
+<file path=ppt/slides/slide22.xml><?xml version="1.0" encoding="utf-8"?>
+<p:sld xmlns:a="http://schemas.openxmlformats.org/drawingml/2006/main" xmlns:r="http://schemas.openxmlformats.org/officeDocument/2006/relationships" xmlns:p="http://schemas.openxmlformats.org/presentationml/2006/main">
+  <p:cSld>
+    <p:spTree>
+      <p:nvGrpSpPr>
+        <p:cNvPr id="1" name=""/>
+        <p:cNvGrpSpPr/>
+        <p:nvPr/>
+      </p:nvGrpSpPr>
+      <p:grpSpPr>
+        <a:xfrm>
+          <a:off x="0" y="0"/>
+          <a:ext cx="0" cy="0"/>
+          <a:chOff x="0" y="0"/>
+          <a:chExt cx="0" cy="0"/>
+        </a:xfrm>
+      </p:grpSpPr>
+      <p:sp>
+        <p:nvSpPr>
+          <p:cNvPr id="2" name="Title 1">
+            <a:extLst>
+              <a:ext uri="{FF2B5EF4-FFF2-40B4-BE49-F238E27FC236}">
+                <a16:creationId xmlns:a16="http://schemas.microsoft.com/office/drawing/2014/main" id="{1388B2FB-6BC0-439F-BB46-2E3F63919155}"/>
+              </a:ext>
+            </a:extLst>
+          </p:cNvPr>
+          <p:cNvSpPr>
+            <a:spLocks noGrp="1"/>
+          </p:cNvSpPr>
+          <p:nvPr>
+            <p:ph type="title"/>
+          </p:nvPr>
+        </p:nvSpPr>
+        <p:spPr/>
+        <p:txBody>
+          <a:bodyPr/>
+          <a:lstStyle/>
+          <a:p>
+            <a:endParaRPr lang="en-US"/>
+          </a:p>
+        </p:txBody>
+      </p:sp>
+      <p:sp>
+        <p:nvSpPr>
+          <p:cNvPr id="3" name="Content Placeholder 2">
+            <a:extLst>
+              <a:ext uri="{FF2B5EF4-FFF2-40B4-BE49-F238E27FC236}">
+                <a16:creationId xmlns:a16="http://schemas.microsoft.com/office/drawing/2014/main" id="{64D4DB07-C339-43FC-8FFC-C58E724BB5F6}"/>
+              </a:ext>
+            </a:extLst>
+          </p:cNvPr>
+          <p:cNvSpPr>
+            <a:spLocks noGrp="1"/>
+          </p:cNvSpPr>
+          <p:nvPr>
+            <p:ph idx="1"/>
+          </p:nvPr>
+        </p:nvSpPr>
+        <p:spPr/>
+        <p:txBody>
+          <a:bodyPr/>
+          <a:lstStyle/>
+          <a:p>
+            <a:endParaRPr lang="en-US"/>
+          </a:p>
+        </p:txBody>
+      </p:sp>
+      <p:pic>
+        <p:nvPicPr>
+          <p:cNvPr id="1026" name="Picture 2" descr="Factor Analysis components - FA - Train time 0.2s">
+            <a:extLst>
+              <a:ext uri="{FF2B5EF4-FFF2-40B4-BE49-F238E27FC236}">
+                <a16:creationId xmlns:a16="http://schemas.microsoft.com/office/drawing/2014/main" id="{984C460B-27BA-44A3-8251-295D12215418}"/>
+              </a:ext>
+            </a:extLst>
+          </p:cNvPr>
+          <p:cNvPicPr>
+            <a:picLocks noChangeAspect="1" noChangeArrowheads="1"/>
+          </p:cNvPicPr>
+          <p:nvPr/>
+        </p:nvPicPr>
+        <p:blipFill>
+          <a:blip r:embed="rId2">
+            <a:extLst>
+              <a:ext uri="{28A0092B-C50C-407E-A947-70E740481C1C}">
+                <a14:useLocalDpi xmlns:a14="http://schemas.microsoft.com/office/drawing/2010/main" val="0"/>
+              </a:ext>
+            </a:extLst>
+          </a:blip>
+          <a:srcRect/>
+          <a:stretch>
+            <a:fillRect/>
+          </a:stretch>
+        </p:blipFill>
+        <p:spPr bwMode="auto">
+          <a:xfrm>
+            <a:off x="6293428" y="1853406"/>
+            <a:ext cx="5715000" cy="4295775"/>
+          </a:xfrm>
+          <a:prstGeom prst="rect">
+            <a:avLst/>
+          </a:prstGeom>
+          <a:noFill/>
+          <a:extLst>
+            <a:ext uri="{909E8E84-426E-40DD-AFC4-6F175D3DCCD1}">
+              <a14:hiddenFill xmlns:a14="http://schemas.microsoft.com/office/drawing/2010/main">
+                <a:solidFill>
+                  <a:srgbClr val="FFFFFF"/>
+                </a:solidFill>
+              </a14:hiddenFill>
+            </a:ext>
+          </a:extLst>
+        </p:spPr>
+      </p:pic>
+      <p:pic>
+        <p:nvPicPr>
+          <p:cNvPr id="1028" name="Picture 4" descr="Eigenfaces - PCA using randomized SVD - Train time 0.0s">
+            <a:extLst>
+              <a:ext uri="{FF2B5EF4-FFF2-40B4-BE49-F238E27FC236}">
+                <a16:creationId xmlns:a16="http://schemas.microsoft.com/office/drawing/2014/main" id="{DFDC3CCA-2B89-4141-A104-F65E590559AA}"/>
+              </a:ext>
+            </a:extLst>
+          </p:cNvPr>
+          <p:cNvPicPr>
+            <a:picLocks noChangeAspect="1" noChangeArrowheads="1"/>
+          </p:cNvPicPr>
+          <p:nvPr/>
+        </p:nvPicPr>
+        <p:blipFill>
+          <a:blip r:embed="rId3">
+            <a:extLst>
+              <a:ext uri="{28A0092B-C50C-407E-A947-70E740481C1C}">
+                <a14:useLocalDpi xmlns:a14="http://schemas.microsoft.com/office/drawing/2010/main" val="0"/>
+              </a:ext>
+            </a:extLst>
+          </a:blip>
+          <a:srcRect/>
+          <a:stretch>
+            <a:fillRect/>
+          </a:stretch>
+        </p:blipFill>
+        <p:spPr bwMode="auto">
+          <a:xfrm>
+            <a:off x="183572" y="1825625"/>
+            <a:ext cx="5715000" cy="4295775"/>
+          </a:xfrm>
+          <a:prstGeom prst="rect">
+            <a:avLst/>
+          </a:prstGeom>
+          <a:noFill/>
+          <a:extLst>
+            <a:ext uri="{909E8E84-426E-40DD-AFC4-6F175D3DCCD1}">
+              <a14:hiddenFill xmlns:a14="http://schemas.microsoft.com/office/drawing/2010/main">
+                <a:solidFill>
+                  <a:srgbClr val="FFFFFF"/>
+                </a:solidFill>
+              </a14:hiddenFill>
+            </a:ext>
+          </a:extLst>
+        </p:spPr>
+      </p:pic>
+    </p:spTree>
+    <p:extLst>
+      <p:ext uri="{BB962C8B-B14F-4D97-AF65-F5344CB8AC3E}">
+        <p14:creationId xmlns:p14="http://schemas.microsoft.com/office/powerpoint/2010/main" val="900204388"/>
       </p:ext>
     </p:extLst>
   </p:cSld>
